--- a/期中報告/F109112131_王上瑀_期中報告.pptx
+++ b/期中報告/F109112131_王上瑀_期中報告.pptx
@@ -342,7 +342,7 @@
           <a:p>
             <a:fld id="{3C4CD84F-9CFA-4836-88B0-9D9B8FF37A77}" type="datetimeFigureOut">
               <a:rPr lang="zh-TW" altLang="en-US" smtClean="0"/>
-              <a:t>2021/4/30</a:t>
+              <a:t>2021/5/7</a:t>
             </a:fld>
             <a:endParaRPr lang="zh-TW" altLang="en-US"/>
           </a:p>
@@ -550,7 +550,7 @@
           <a:p>
             <a:fld id="{3C4CD84F-9CFA-4836-88B0-9D9B8FF37A77}" type="datetimeFigureOut">
               <a:rPr lang="zh-TW" altLang="en-US" smtClean="0"/>
-              <a:t>2021/4/30</a:t>
+              <a:t>2021/5/7</a:t>
             </a:fld>
             <a:endParaRPr lang="zh-TW" altLang="en-US"/>
           </a:p>
@@ -806,7 +806,7 @@
           <a:p>
             <a:fld id="{3C4CD84F-9CFA-4836-88B0-9D9B8FF37A77}" type="datetimeFigureOut">
               <a:rPr lang="zh-TW" altLang="en-US" smtClean="0"/>
-              <a:t>2021/4/30</a:t>
+              <a:t>2021/5/7</a:t>
             </a:fld>
             <a:endParaRPr lang="zh-TW" altLang="en-US"/>
           </a:p>
@@ -980,7 +980,7 @@
           <a:p>
             <a:fld id="{3C4CD84F-9CFA-4836-88B0-9D9B8FF37A77}" type="datetimeFigureOut">
               <a:rPr lang="zh-TW" altLang="en-US" smtClean="0"/>
-              <a:t>2021/4/30</a:t>
+              <a:t>2021/5/7</a:t>
             </a:fld>
             <a:endParaRPr lang="zh-TW" altLang="en-US"/>
           </a:p>
@@ -1323,7 +1323,7 @@
           <a:p>
             <a:fld id="{3C4CD84F-9CFA-4836-88B0-9D9B8FF37A77}" type="datetimeFigureOut">
               <a:rPr lang="zh-TW" altLang="en-US" smtClean="0"/>
-              <a:t>2021/4/30</a:t>
+              <a:t>2021/5/7</a:t>
             </a:fld>
             <a:endParaRPr lang="zh-TW" altLang="en-US"/>
           </a:p>
@@ -1598,7 +1598,7 @@
           <a:p>
             <a:fld id="{3C4CD84F-9CFA-4836-88B0-9D9B8FF37A77}" type="datetimeFigureOut">
               <a:rPr lang="zh-TW" altLang="en-US" smtClean="0"/>
-              <a:t>2021/4/30</a:t>
+              <a:t>2021/5/7</a:t>
             </a:fld>
             <a:endParaRPr lang="zh-TW" altLang="en-US"/>
           </a:p>
@@ -1977,7 +1977,7 @@
           <a:p>
             <a:fld id="{3C4CD84F-9CFA-4836-88B0-9D9B8FF37A77}" type="datetimeFigureOut">
               <a:rPr lang="zh-TW" altLang="en-US" smtClean="0"/>
-              <a:t>2021/4/30</a:t>
+              <a:t>2021/5/7</a:t>
             </a:fld>
             <a:endParaRPr lang="zh-TW" altLang="en-US"/>
           </a:p>
@@ -2095,7 +2095,7 @@
           <a:p>
             <a:fld id="{3C4CD84F-9CFA-4836-88B0-9D9B8FF37A77}" type="datetimeFigureOut">
               <a:rPr lang="zh-TW" altLang="en-US" smtClean="0"/>
-              <a:t>2021/4/30</a:t>
+              <a:t>2021/5/7</a:t>
             </a:fld>
             <a:endParaRPr lang="zh-TW" altLang="en-US"/>
           </a:p>
@@ -2266,7 +2266,7 @@
           <a:p>
             <a:fld id="{3C4CD84F-9CFA-4836-88B0-9D9B8FF37A77}" type="datetimeFigureOut">
               <a:rPr lang="zh-TW" altLang="en-US" smtClean="0"/>
-              <a:t>2021/4/30</a:t>
+              <a:t>2021/5/7</a:t>
             </a:fld>
             <a:endParaRPr lang="zh-TW" altLang="en-US"/>
           </a:p>
@@ -2620,7 +2620,7 @@
           <a:p>
             <a:fld id="{3C4CD84F-9CFA-4836-88B0-9D9B8FF37A77}" type="datetimeFigureOut">
               <a:rPr lang="zh-TW" altLang="en-US" smtClean="0"/>
-              <a:t>2021/4/30</a:t>
+              <a:t>2021/5/7</a:t>
             </a:fld>
             <a:endParaRPr lang="zh-TW" altLang="en-US"/>
           </a:p>
@@ -3002,7 +3002,7 @@
           <a:p>
             <a:fld id="{3C4CD84F-9CFA-4836-88B0-9D9B8FF37A77}" type="datetimeFigureOut">
               <a:rPr lang="zh-TW" altLang="en-US" smtClean="0"/>
-              <a:t>2021/4/30</a:t>
+              <a:t>2021/5/7</a:t>
             </a:fld>
             <a:endParaRPr lang="zh-TW" altLang="en-US"/>
           </a:p>
@@ -3289,7 +3289,7 @@
           <a:p>
             <a:fld id="{3C4CD84F-9CFA-4836-88B0-9D9B8FF37A77}" type="datetimeFigureOut">
               <a:rPr lang="zh-TW" altLang="en-US" smtClean="0"/>
-              <a:t>2021/4/30</a:t>
+              <a:t>2021/5/7</a:t>
             </a:fld>
             <a:endParaRPr lang="zh-TW" altLang="en-US"/>
           </a:p>
@@ -4205,59 +4205,212 @@
       </p:grpSpPr>
       <p:sp>
         <p:nvSpPr>
-          <p:cNvPr id="2" name="標題 1">
+          <p:cNvPr id="4" name="矩形: 圓角 3">
             <a:extLst>
               <a:ext uri="{FF2B5EF4-FFF2-40B4-BE49-F238E27FC236}">
-                <a16:creationId xmlns:a16="http://schemas.microsoft.com/office/drawing/2014/main" id="{965AE955-B4D6-4B38-BF5B-26EB8D8511A6}"/>
+                <a16:creationId xmlns:a16="http://schemas.microsoft.com/office/drawing/2014/main" id="{FC0D893A-01CF-44ED-8D85-BA3D365D9AFE}"/>
               </a:ext>
             </a:extLst>
           </p:cNvPr>
-          <p:cNvSpPr>
-            <a:spLocks noGrp="1"/>
-          </p:cNvSpPr>
-          <p:nvPr>
-            <p:ph type="title"/>
-          </p:nvPr>
-        </p:nvSpPr>
-        <p:spPr/>
-        <p:txBody>
-          <a:bodyPr/>
-          <a:lstStyle/>
-          <a:p>
-            <a:r>
-              <a:rPr lang="zh-TW" altLang="en-US" dirty="0"/>
+          <p:cNvSpPr/>
+          <p:nvPr/>
+        </p:nvSpPr>
+        <p:spPr>
+          <a:xfrm>
+            <a:off x="2510117" y="2326999"/>
+            <a:ext cx="2832847" cy="1577789"/>
+          </a:xfrm>
+          <a:prstGeom prst="roundRect">
+            <a:avLst/>
+          </a:prstGeom>
+        </p:spPr>
+        <p:style>
+          <a:lnRef idx="2">
+            <a:schemeClr val="accent1">
+              <a:shade val="50000"/>
+            </a:schemeClr>
+          </a:lnRef>
+          <a:fillRef idx="1">
+            <a:schemeClr val="accent1"/>
+          </a:fillRef>
+          <a:effectRef idx="0">
+            <a:schemeClr val="accent1"/>
+          </a:effectRef>
+          <a:fontRef idx="minor">
+            <a:schemeClr val="lt1"/>
+          </a:fontRef>
+        </p:style>
+        <p:txBody>
+          <a:bodyPr rtlCol="0" anchor="ctr"/>
+          <a:lstStyle/>
+          <a:p>
+            <a:endParaRPr lang="en-US" altLang="zh-TW" sz="2400" b="1" dirty="0"/>
+          </a:p>
+          <a:p>
+            <a:r>
+              <a:rPr lang="zh-TW" altLang="en-US" sz="2400" b="1" dirty="0"/>
               <a:t>功能需求</a:t>
             </a:r>
-          </a:p>
-        </p:txBody>
-      </p:sp>
-      <p:sp>
-        <p:nvSpPr>
-          <p:cNvPr id="3" name="內容版面配置區 2">
+            <a:endParaRPr lang="en-US" altLang="zh-TW" sz="2400" b="1" dirty="0"/>
+          </a:p>
+          <a:p>
+            <a:r>
+              <a:rPr lang="zh-TW" altLang="en-US" sz="2400" b="1" dirty="0"/>
+              <a:t>成功解析模糊的車牌號碼</a:t>
+            </a:r>
+          </a:p>
+          <a:p>
+            <a:pPr algn="ctr"/>
+            <a:endParaRPr lang="zh-TW" altLang="en-US" dirty="0"/>
+          </a:p>
+        </p:txBody>
+      </p:sp>
+      <p:sp>
+        <p:nvSpPr>
+          <p:cNvPr id="5" name="矩形: 圓角 4">
             <a:extLst>
               <a:ext uri="{FF2B5EF4-FFF2-40B4-BE49-F238E27FC236}">
-                <a16:creationId xmlns:a16="http://schemas.microsoft.com/office/drawing/2014/main" id="{D63BA5C5-FEFB-4070-A613-DB65CE777FEA}"/>
+                <a16:creationId xmlns:a16="http://schemas.microsoft.com/office/drawing/2014/main" id="{7520C47D-084C-4152-A9E9-BADE8B737736}"/>
               </a:ext>
             </a:extLst>
           </p:cNvPr>
-          <p:cNvSpPr>
-            <a:spLocks noGrp="1"/>
-          </p:cNvSpPr>
-          <p:nvPr>
-            <p:ph idx="1"/>
-          </p:nvPr>
-        </p:nvSpPr>
-        <p:spPr/>
-        <p:txBody>
-          <a:bodyPr>
-            <a:normAutofit/>
-          </a:bodyPr>
-          <a:lstStyle/>
-          <a:p>
-            <a:r>
-              <a:rPr lang="zh-TW" altLang="en-US" sz="4000" dirty="0"/>
-              <a:t>成功解析模糊的車牌號碼</a:t>
-            </a:r>
+          <p:cNvSpPr/>
+          <p:nvPr/>
+        </p:nvSpPr>
+        <p:spPr>
+          <a:xfrm>
+            <a:off x="6660777" y="2326998"/>
+            <a:ext cx="3312368" cy="1577789"/>
+          </a:xfrm>
+          <a:prstGeom prst="roundRect">
+            <a:avLst/>
+          </a:prstGeom>
+        </p:spPr>
+        <p:style>
+          <a:lnRef idx="2">
+            <a:schemeClr val="accent3">
+              <a:shade val="50000"/>
+            </a:schemeClr>
+          </a:lnRef>
+          <a:fillRef idx="1">
+            <a:schemeClr val="accent3"/>
+          </a:fillRef>
+          <a:effectRef idx="0">
+            <a:schemeClr val="accent3"/>
+          </a:effectRef>
+          <a:fontRef idx="minor">
+            <a:schemeClr val="lt1"/>
+          </a:fontRef>
+        </p:style>
+        <p:txBody>
+          <a:bodyPr rtlCol="0" anchor="ctr"/>
+          <a:lstStyle/>
+          <a:p>
+            <a:r>
+              <a:rPr lang="zh-TW" altLang="en-US" sz="2400" b="1" dirty="0"/>
+              <a:t>硬體需求</a:t>
+            </a:r>
+            <a:endParaRPr lang="en-US" altLang="zh-TW" sz="2400" b="1" dirty="0"/>
+          </a:p>
+          <a:p>
+            <a:r>
+              <a:rPr lang="zh-TW" altLang="en-US" sz="2400" b="1" dirty="0"/>
+              <a:t>樹莓派 </a:t>
+            </a:r>
+            <a:endParaRPr lang="en-US" altLang="zh-TW" sz="2400" b="1" dirty="0"/>
+          </a:p>
+          <a:p>
+            <a:r>
+              <a:rPr lang="en-US" altLang="zh-TW" sz="2400" b="1" dirty="0"/>
+              <a:t>USB</a:t>
+            </a:r>
+            <a:r>
+              <a:rPr lang="zh-TW" altLang="en-US" sz="2400" b="1" dirty="0"/>
+              <a:t>隨身碟</a:t>
+            </a:r>
+            <a:r>
+              <a:rPr lang="en-US" altLang="zh-TW" sz="2400" b="1" dirty="0"/>
+              <a:t>	</a:t>
+            </a:r>
+            <a:endParaRPr lang="zh-TW" altLang="en-US" sz="2400" b="1" dirty="0"/>
+          </a:p>
+        </p:txBody>
+      </p:sp>
+      <p:sp>
+        <p:nvSpPr>
+          <p:cNvPr id="6" name="矩形: 圓角 5">
+            <a:extLst>
+              <a:ext uri="{FF2B5EF4-FFF2-40B4-BE49-F238E27FC236}">
+                <a16:creationId xmlns:a16="http://schemas.microsoft.com/office/drawing/2014/main" id="{9DB4FE3F-3108-4FAE-8162-0E7DBB6FC36C}"/>
+              </a:ext>
+            </a:extLst>
+          </p:cNvPr>
+          <p:cNvSpPr/>
+          <p:nvPr/>
+        </p:nvSpPr>
+        <p:spPr>
+          <a:xfrm>
+            <a:off x="4439816" y="4416436"/>
+            <a:ext cx="3312368" cy="1577789"/>
+          </a:xfrm>
+          <a:prstGeom prst="roundRect">
+            <a:avLst/>
+          </a:prstGeom>
+        </p:spPr>
+        <p:style>
+          <a:lnRef idx="2">
+            <a:schemeClr val="accent4">
+              <a:shade val="50000"/>
+            </a:schemeClr>
+          </a:lnRef>
+          <a:fillRef idx="1">
+            <a:schemeClr val="accent4"/>
+          </a:fillRef>
+          <a:effectRef idx="0">
+            <a:schemeClr val="accent4"/>
+          </a:effectRef>
+          <a:fontRef idx="minor">
+            <a:schemeClr val="lt1"/>
+          </a:fontRef>
+        </p:style>
+        <p:txBody>
+          <a:bodyPr rtlCol="0" anchor="ctr"/>
+          <a:lstStyle/>
+          <a:p>
+            <a:endParaRPr lang="en-US" altLang="zh-TW" sz="2400" b="1" dirty="0"/>
+          </a:p>
+          <a:p>
+            <a:r>
+              <a:rPr lang="zh-TW" altLang="en-US" sz="2400" b="1" dirty="0"/>
+              <a:t>軟體需求</a:t>
+            </a:r>
+            <a:endParaRPr lang="en-US" altLang="zh-TW" sz="2400" b="1" dirty="0"/>
+          </a:p>
+          <a:p>
+            <a:r>
+              <a:rPr lang="en-US" altLang="zh-TW" sz="2400" b="1" dirty="0"/>
+              <a:t>OpenCV</a:t>
+            </a:r>
+          </a:p>
+          <a:p>
+            <a:r>
+              <a:rPr lang="en-US" altLang="zh-TW" sz="2400" b="1" dirty="0"/>
+              <a:t>Python</a:t>
+            </a:r>
+          </a:p>
+          <a:p>
+            <a:r>
+              <a:rPr lang="en-US" altLang="zh-TW" sz="2400" b="1" dirty="0" err="1"/>
+              <a:t>RaspberryPi</a:t>
+            </a:r>
+            <a:endParaRPr lang="en-US" altLang="zh-TW" sz="2400" b="1" dirty="0"/>
+          </a:p>
+          <a:p>
+            <a:r>
+              <a:rPr lang="en-US" altLang="zh-TW" sz="1600" b="1" dirty="0"/>
+              <a:t>	</a:t>
+            </a:r>
+            <a:endParaRPr lang="zh-TW" altLang="en-US" sz="1600" dirty="0"/>
           </a:p>
         </p:txBody>
       </p:sp>
@@ -4614,11 +4767,6 @@
               <a:rPr lang="zh-TW" altLang="en-US" dirty="0"/>
               <a:t>設計</a:t>
             </a:r>
-            <a:r>
-              <a:rPr lang="en-US" altLang="zh-TW" dirty="0"/>
-              <a:t>-breakdown</a:t>
-            </a:r>
-            <a:endParaRPr lang="zh-TW" altLang="en-US" dirty="0"/>
           </a:p>
         </p:txBody>
       </p:sp>
